--- a/ppt 16-9/1581.常常喜乐.pptx
+++ b/ppt 16-9/1581.常常喜乐.pptx
@@ -5,7 +5,7 @@
     <p:sldMasterId id="2147483648" r:id="rId1"/>
   </p:sldMasterIdLst>
   <p:sldIdLst>
-    <p:sldId id="3437" r:id="rId2"/>
+    <p:sldId id="3438" r:id="rId2"/>
   </p:sldIdLst>
   <p:sldSz cx="12192000" cy="6858000"/>
   <p:notesSz cx="6858000" cy="9144000"/>
@@ -129,7 +129,7 @@
           <p:cNvPr id="2" name="标题 1">
             <a:extLst>
               <a:ext uri="{FF2B5EF4-FFF2-40B4-BE49-F238E27FC236}">
-                <a16:creationId xmlns:a16="http://schemas.microsoft.com/office/drawing/2014/main" id="{6ADB5B77-88F2-C57B-CD72-29E3687233F1}"/>
+                <a16:creationId xmlns:a16="http://schemas.microsoft.com/office/drawing/2014/main" id="{CEA0B715-3B62-0075-C478-8DB506523A4E}"/>
               </a:ext>
             </a:extLst>
           </p:cNvPr>
@@ -166,7 +166,7 @@
           <p:cNvPr id="3" name="副标题 2">
             <a:extLst>
               <a:ext uri="{FF2B5EF4-FFF2-40B4-BE49-F238E27FC236}">
-                <a16:creationId xmlns:a16="http://schemas.microsoft.com/office/drawing/2014/main" id="{9C233ED1-6EE6-E181-6811-B927C42D563E}"/>
+                <a16:creationId xmlns:a16="http://schemas.microsoft.com/office/drawing/2014/main" id="{A23EDA30-A437-F95A-14F2-BAF912580563}"/>
               </a:ext>
             </a:extLst>
           </p:cNvPr>
@@ -236,7 +236,7 @@
           <p:cNvPr id="4" name="日期占位符 3">
             <a:extLst>
               <a:ext uri="{FF2B5EF4-FFF2-40B4-BE49-F238E27FC236}">
-                <a16:creationId xmlns:a16="http://schemas.microsoft.com/office/drawing/2014/main" id="{0AFF5E93-0727-BF5E-1E69-DD3DBFB8A24C}"/>
+                <a16:creationId xmlns:a16="http://schemas.microsoft.com/office/drawing/2014/main" id="{664B20B4-8D78-4D31-4290-9B4C619784C7}"/>
               </a:ext>
             </a:extLst>
           </p:cNvPr>
@@ -252,7 +252,7 @@
           <a:bodyPr/>
           <a:lstStyle/>
           <a:p>
-            <a:fld id="{92A08180-11A1-4751-84E4-8EB864B605F8}" type="datetimeFigureOut">
+            <a:fld id="{A48B9485-F7BC-40C5-9486-71DC798372C6}" type="datetimeFigureOut">
               <a:rPr lang="zh-CN" altLang="en-US" smtClean="0"/>
               <a:t>2024/3/10</a:t>
             </a:fld>
@@ -265,7 +265,7 @@
           <p:cNvPr id="5" name="页脚占位符 4">
             <a:extLst>
               <a:ext uri="{FF2B5EF4-FFF2-40B4-BE49-F238E27FC236}">
-                <a16:creationId xmlns:a16="http://schemas.microsoft.com/office/drawing/2014/main" id="{93CA355A-F087-632C-73E9-991159CBCDB4}"/>
+                <a16:creationId xmlns:a16="http://schemas.microsoft.com/office/drawing/2014/main" id="{E1BCC461-EEDA-FD8A-9E6C-C9C64C2795D6}"/>
               </a:ext>
             </a:extLst>
           </p:cNvPr>
@@ -290,7 +290,7 @@
           <p:cNvPr id="6" name="灯片编号占位符 5">
             <a:extLst>
               <a:ext uri="{FF2B5EF4-FFF2-40B4-BE49-F238E27FC236}">
-                <a16:creationId xmlns:a16="http://schemas.microsoft.com/office/drawing/2014/main" id="{487D2BB1-6D4F-33F4-53C9-9E4247BB3FB9}"/>
+                <a16:creationId xmlns:a16="http://schemas.microsoft.com/office/drawing/2014/main" id="{AACE2E3A-BC7A-4CB8-A761-8A2175C8272D}"/>
               </a:ext>
             </a:extLst>
           </p:cNvPr>
@@ -306,7 +306,7 @@
           <a:bodyPr/>
           <a:lstStyle/>
           <a:p>
-            <a:fld id="{910E6092-05E0-48AA-98D3-08AEACFC8439}" type="slidenum">
+            <a:fld id="{44A28226-E0EE-40B9-A918-7EF85AEF2F56}" type="slidenum">
               <a:rPr lang="zh-CN" altLang="en-US" smtClean="0"/>
               <a:t>‹#›</a:t>
             </a:fld>
@@ -317,7 +317,7 @@
     </p:spTree>
     <p:extLst>
       <p:ext uri="{BB962C8B-B14F-4D97-AF65-F5344CB8AC3E}">
-        <p14:creationId xmlns:p14="http://schemas.microsoft.com/office/powerpoint/2010/main" val="4175554849"/>
+        <p14:creationId xmlns:p14="http://schemas.microsoft.com/office/powerpoint/2010/main" val="1440550612"/>
       </p:ext>
     </p:extLst>
   </p:cSld>
@@ -349,7 +349,7 @@
           <p:cNvPr id="2" name="标题 1">
             <a:extLst>
               <a:ext uri="{FF2B5EF4-FFF2-40B4-BE49-F238E27FC236}">
-                <a16:creationId xmlns:a16="http://schemas.microsoft.com/office/drawing/2014/main" id="{7EE6FD7A-799B-C2F9-07A3-BD0A51BAA0F4}"/>
+                <a16:creationId xmlns:a16="http://schemas.microsoft.com/office/drawing/2014/main" id="{CFFB2E63-877E-8E22-92A9-475B3B33B716}"/>
               </a:ext>
             </a:extLst>
           </p:cNvPr>
@@ -377,7 +377,7 @@
           <p:cNvPr id="3" name="竖排文字占位符 2">
             <a:extLst>
               <a:ext uri="{FF2B5EF4-FFF2-40B4-BE49-F238E27FC236}">
-                <a16:creationId xmlns:a16="http://schemas.microsoft.com/office/drawing/2014/main" id="{50030E3A-76EA-EF7B-8C49-332A0CED4401}"/>
+                <a16:creationId xmlns:a16="http://schemas.microsoft.com/office/drawing/2014/main" id="{CCD3C08D-7834-16F5-16AB-4C9B10165DF3}"/>
               </a:ext>
             </a:extLst>
           </p:cNvPr>
@@ -434,7 +434,7 @@
           <p:cNvPr id="4" name="日期占位符 3">
             <a:extLst>
               <a:ext uri="{FF2B5EF4-FFF2-40B4-BE49-F238E27FC236}">
-                <a16:creationId xmlns:a16="http://schemas.microsoft.com/office/drawing/2014/main" id="{B57126DE-537A-2B1C-A365-B70B338FAF7A}"/>
+                <a16:creationId xmlns:a16="http://schemas.microsoft.com/office/drawing/2014/main" id="{D1486FB9-0E1A-0ADC-DE0A-FB8703035C44}"/>
               </a:ext>
             </a:extLst>
           </p:cNvPr>
@@ -450,7 +450,7 @@
           <a:bodyPr/>
           <a:lstStyle/>
           <a:p>
-            <a:fld id="{92A08180-11A1-4751-84E4-8EB864B605F8}" type="datetimeFigureOut">
+            <a:fld id="{A48B9485-F7BC-40C5-9486-71DC798372C6}" type="datetimeFigureOut">
               <a:rPr lang="zh-CN" altLang="en-US" smtClean="0"/>
               <a:t>2024/3/10</a:t>
             </a:fld>
@@ -463,7 +463,7 @@
           <p:cNvPr id="5" name="页脚占位符 4">
             <a:extLst>
               <a:ext uri="{FF2B5EF4-FFF2-40B4-BE49-F238E27FC236}">
-                <a16:creationId xmlns:a16="http://schemas.microsoft.com/office/drawing/2014/main" id="{F15A1EFE-A643-CFCF-DA4B-4FE905611292}"/>
+                <a16:creationId xmlns:a16="http://schemas.microsoft.com/office/drawing/2014/main" id="{DC2A85FE-703D-C40A-8743-7F06BDE8208D}"/>
               </a:ext>
             </a:extLst>
           </p:cNvPr>
@@ -488,7 +488,7 @@
           <p:cNvPr id="6" name="灯片编号占位符 5">
             <a:extLst>
               <a:ext uri="{FF2B5EF4-FFF2-40B4-BE49-F238E27FC236}">
-                <a16:creationId xmlns:a16="http://schemas.microsoft.com/office/drawing/2014/main" id="{5EF92CD3-B9E1-346B-D9D9-9FF8A8836976}"/>
+                <a16:creationId xmlns:a16="http://schemas.microsoft.com/office/drawing/2014/main" id="{661641A7-D190-95C1-8C74-06CCBEAB6227}"/>
               </a:ext>
             </a:extLst>
           </p:cNvPr>
@@ -504,7 +504,7 @@
           <a:bodyPr/>
           <a:lstStyle/>
           <a:p>
-            <a:fld id="{910E6092-05E0-48AA-98D3-08AEACFC8439}" type="slidenum">
+            <a:fld id="{44A28226-E0EE-40B9-A918-7EF85AEF2F56}" type="slidenum">
               <a:rPr lang="zh-CN" altLang="en-US" smtClean="0"/>
               <a:t>‹#›</a:t>
             </a:fld>
@@ -515,7 +515,7 @@
     </p:spTree>
     <p:extLst>
       <p:ext uri="{BB962C8B-B14F-4D97-AF65-F5344CB8AC3E}">
-        <p14:creationId xmlns:p14="http://schemas.microsoft.com/office/powerpoint/2010/main" val="1714601687"/>
+        <p14:creationId xmlns:p14="http://schemas.microsoft.com/office/powerpoint/2010/main" val="2814567152"/>
       </p:ext>
     </p:extLst>
   </p:cSld>
@@ -547,7 +547,7 @@
           <p:cNvPr id="2" name="竖排标题 1">
             <a:extLst>
               <a:ext uri="{FF2B5EF4-FFF2-40B4-BE49-F238E27FC236}">
-                <a16:creationId xmlns:a16="http://schemas.microsoft.com/office/drawing/2014/main" id="{7FA84013-8198-AC1E-28F6-0D64514922C7}"/>
+                <a16:creationId xmlns:a16="http://schemas.microsoft.com/office/drawing/2014/main" id="{286102AC-BA32-9F60-D160-94D537D1E712}"/>
               </a:ext>
             </a:extLst>
           </p:cNvPr>
@@ -580,7 +580,7 @@
           <p:cNvPr id="3" name="竖排文字占位符 2">
             <a:extLst>
               <a:ext uri="{FF2B5EF4-FFF2-40B4-BE49-F238E27FC236}">
-                <a16:creationId xmlns:a16="http://schemas.microsoft.com/office/drawing/2014/main" id="{75E2C293-D940-70DC-1235-B9ACEBF56A0E}"/>
+                <a16:creationId xmlns:a16="http://schemas.microsoft.com/office/drawing/2014/main" id="{94E1C9BF-B850-B20C-9134-D6DB5D709B29}"/>
               </a:ext>
             </a:extLst>
           </p:cNvPr>
@@ -642,7 +642,7 @@
           <p:cNvPr id="4" name="日期占位符 3">
             <a:extLst>
               <a:ext uri="{FF2B5EF4-FFF2-40B4-BE49-F238E27FC236}">
-                <a16:creationId xmlns:a16="http://schemas.microsoft.com/office/drawing/2014/main" id="{21890DD3-957B-C7A7-F5C2-A8278389901D}"/>
+                <a16:creationId xmlns:a16="http://schemas.microsoft.com/office/drawing/2014/main" id="{899052E7-53AD-B2A4-A203-4886EBFE271D}"/>
               </a:ext>
             </a:extLst>
           </p:cNvPr>
@@ -658,7 +658,7 @@
           <a:bodyPr/>
           <a:lstStyle/>
           <a:p>
-            <a:fld id="{92A08180-11A1-4751-84E4-8EB864B605F8}" type="datetimeFigureOut">
+            <a:fld id="{A48B9485-F7BC-40C5-9486-71DC798372C6}" type="datetimeFigureOut">
               <a:rPr lang="zh-CN" altLang="en-US" smtClean="0"/>
               <a:t>2024/3/10</a:t>
             </a:fld>
@@ -671,7 +671,7 @@
           <p:cNvPr id="5" name="页脚占位符 4">
             <a:extLst>
               <a:ext uri="{FF2B5EF4-FFF2-40B4-BE49-F238E27FC236}">
-                <a16:creationId xmlns:a16="http://schemas.microsoft.com/office/drawing/2014/main" id="{56639089-422F-6CE8-1C03-93EA314FCF6B}"/>
+                <a16:creationId xmlns:a16="http://schemas.microsoft.com/office/drawing/2014/main" id="{EC1C2D9C-B5A1-D9AC-88CA-693FFB047710}"/>
               </a:ext>
             </a:extLst>
           </p:cNvPr>
@@ -696,7 +696,7 @@
           <p:cNvPr id="6" name="灯片编号占位符 5">
             <a:extLst>
               <a:ext uri="{FF2B5EF4-FFF2-40B4-BE49-F238E27FC236}">
-                <a16:creationId xmlns:a16="http://schemas.microsoft.com/office/drawing/2014/main" id="{0451211D-7299-578E-E955-E741C4A82C45}"/>
+                <a16:creationId xmlns:a16="http://schemas.microsoft.com/office/drawing/2014/main" id="{77B127B0-1D61-7082-B05C-F165BAC13D49}"/>
               </a:ext>
             </a:extLst>
           </p:cNvPr>
@@ -712,7 +712,7 @@
           <a:bodyPr/>
           <a:lstStyle/>
           <a:p>
-            <a:fld id="{910E6092-05E0-48AA-98D3-08AEACFC8439}" type="slidenum">
+            <a:fld id="{44A28226-E0EE-40B9-A918-7EF85AEF2F56}" type="slidenum">
               <a:rPr lang="zh-CN" altLang="en-US" smtClean="0"/>
               <a:t>‹#›</a:t>
             </a:fld>
@@ -723,7 +723,7 @@
     </p:spTree>
     <p:extLst>
       <p:ext uri="{BB962C8B-B14F-4D97-AF65-F5344CB8AC3E}">
-        <p14:creationId xmlns:p14="http://schemas.microsoft.com/office/powerpoint/2010/main" val="1794201266"/>
+        <p14:creationId xmlns:p14="http://schemas.microsoft.com/office/powerpoint/2010/main" val="2829499738"/>
       </p:ext>
     </p:extLst>
   </p:cSld>
@@ -755,7 +755,7 @@
           <p:cNvPr id="2" name="标题 1">
             <a:extLst>
               <a:ext uri="{FF2B5EF4-FFF2-40B4-BE49-F238E27FC236}">
-                <a16:creationId xmlns:a16="http://schemas.microsoft.com/office/drawing/2014/main" id="{4D11DFE6-52C6-171E-5CE3-BA8D973AEB63}"/>
+                <a16:creationId xmlns:a16="http://schemas.microsoft.com/office/drawing/2014/main" id="{064A9F15-B223-34E1-9CDC-AEB16669DD7F}"/>
               </a:ext>
             </a:extLst>
           </p:cNvPr>
@@ -783,7 +783,7 @@
           <p:cNvPr id="3" name="内容占位符 2">
             <a:extLst>
               <a:ext uri="{FF2B5EF4-FFF2-40B4-BE49-F238E27FC236}">
-                <a16:creationId xmlns:a16="http://schemas.microsoft.com/office/drawing/2014/main" id="{0E8CE16A-5432-6C0A-3449-1D9A5142BF42}"/>
+                <a16:creationId xmlns:a16="http://schemas.microsoft.com/office/drawing/2014/main" id="{CFE5DFFB-6131-14E4-F5BF-1475323ABF32}"/>
               </a:ext>
             </a:extLst>
           </p:cNvPr>
@@ -840,7 +840,7 @@
           <p:cNvPr id="4" name="日期占位符 3">
             <a:extLst>
               <a:ext uri="{FF2B5EF4-FFF2-40B4-BE49-F238E27FC236}">
-                <a16:creationId xmlns:a16="http://schemas.microsoft.com/office/drawing/2014/main" id="{B1557DB5-C845-9069-AE35-A035F8606DBF}"/>
+                <a16:creationId xmlns:a16="http://schemas.microsoft.com/office/drawing/2014/main" id="{0634DE17-2709-5D6A-CB20-4CA432FB1213}"/>
               </a:ext>
             </a:extLst>
           </p:cNvPr>
@@ -856,7 +856,7 @@
           <a:bodyPr/>
           <a:lstStyle/>
           <a:p>
-            <a:fld id="{92A08180-11A1-4751-84E4-8EB864B605F8}" type="datetimeFigureOut">
+            <a:fld id="{A48B9485-F7BC-40C5-9486-71DC798372C6}" type="datetimeFigureOut">
               <a:rPr lang="zh-CN" altLang="en-US" smtClean="0"/>
               <a:t>2024/3/10</a:t>
             </a:fld>
@@ -869,7 +869,7 @@
           <p:cNvPr id="5" name="页脚占位符 4">
             <a:extLst>
               <a:ext uri="{FF2B5EF4-FFF2-40B4-BE49-F238E27FC236}">
-                <a16:creationId xmlns:a16="http://schemas.microsoft.com/office/drawing/2014/main" id="{D658FD64-E9CC-BCFD-8C91-606CE157F024}"/>
+                <a16:creationId xmlns:a16="http://schemas.microsoft.com/office/drawing/2014/main" id="{316282D6-74B0-5E74-1E02-0D5739AF76B7}"/>
               </a:ext>
             </a:extLst>
           </p:cNvPr>
@@ -894,7 +894,7 @@
           <p:cNvPr id="6" name="灯片编号占位符 5">
             <a:extLst>
               <a:ext uri="{FF2B5EF4-FFF2-40B4-BE49-F238E27FC236}">
-                <a16:creationId xmlns:a16="http://schemas.microsoft.com/office/drawing/2014/main" id="{7E48C1EE-2928-0AEE-4BC6-BF32BF66583F}"/>
+                <a16:creationId xmlns:a16="http://schemas.microsoft.com/office/drawing/2014/main" id="{54586D02-A421-A720-2ECF-70596674F1F7}"/>
               </a:ext>
             </a:extLst>
           </p:cNvPr>
@@ -910,7 +910,7 @@
           <a:bodyPr/>
           <a:lstStyle/>
           <a:p>
-            <a:fld id="{910E6092-05E0-48AA-98D3-08AEACFC8439}" type="slidenum">
+            <a:fld id="{44A28226-E0EE-40B9-A918-7EF85AEF2F56}" type="slidenum">
               <a:rPr lang="zh-CN" altLang="en-US" smtClean="0"/>
               <a:t>‹#›</a:t>
             </a:fld>
@@ -921,7 +921,7 @@
     </p:spTree>
     <p:extLst>
       <p:ext uri="{BB962C8B-B14F-4D97-AF65-F5344CB8AC3E}">
-        <p14:creationId xmlns:p14="http://schemas.microsoft.com/office/powerpoint/2010/main" val="1635247955"/>
+        <p14:creationId xmlns:p14="http://schemas.microsoft.com/office/powerpoint/2010/main" val="1346194078"/>
       </p:ext>
     </p:extLst>
   </p:cSld>
@@ -953,7 +953,7 @@
           <p:cNvPr id="2" name="标题 1">
             <a:extLst>
               <a:ext uri="{FF2B5EF4-FFF2-40B4-BE49-F238E27FC236}">
-                <a16:creationId xmlns:a16="http://schemas.microsoft.com/office/drawing/2014/main" id="{EB086102-1D1D-C567-4555-F1357A7AB4B4}"/>
+                <a16:creationId xmlns:a16="http://schemas.microsoft.com/office/drawing/2014/main" id="{5D4621AF-32D6-AE74-D19E-C3DEF8906C51}"/>
               </a:ext>
             </a:extLst>
           </p:cNvPr>
@@ -990,7 +990,7 @@
           <p:cNvPr id="3" name="文本占位符 2">
             <a:extLst>
               <a:ext uri="{FF2B5EF4-FFF2-40B4-BE49-F238E27FC236}">
-                <a16:creationId xmlns:a16="http://schemas.microsoft.com/office/drawing/2014/main" id="{BB0363D7-DFDD-0774-AD99-199C58E027D3}"/>
+                <a16:creationId xmlns:a16="http://schemas.microsoft.com/office/drawing/2014/main" id="{A87D3B34-58BF-DC37-716C-5281D4488312}"/>
               </a:ext>
             </a:extLst>
           </p:cNvPr>
@@ -1115,7 +1115,7 @@
           <p:cNvPr id="4" name="日期占位符 3">
             <a:extLst>
               <a:ext uri="{FF2B5EF4-FFF2-40B4-BE49-F238E27FC236}">
-                <a16:creationId xmlns:a16="http://schemas.microsoft.com/office/drawing/2014/main" id="{414D0219-03DE-8A51-F455-937F74192914}"/>
+                <a16:creationId xmlns:a16="http://schemas.microsoft.com/office/drawing/2014/main" id="{5328DA33-02B3-3D7C-2C96-5EE288488704}"/>
               </a:ext>
             </a:extLst>
           </p:cNvPr>
@@ -1131,7 +1131,7 @@
           <a:bodyPr/>
           <a:lstStyle/>
           <a:p>
-            <a:fld id="{92A08180-11A1-4751-84E4-8EB864B605F8}" type="datetimeFigureOut">
+            <a:fld id="{A48B9485-F7BC-40C5-9486-71DC798372C6}" type="datetimeFigureOut">
               <a:rPr lang="zh-CN" altLang="en-US" smtClean="0"/>
               <a:t>2024/3/10</a:t>
             </a:fld>
@@ -1144,7 +1144,7 @@
           <p:cNvPr id="5" name="页脚占位符 4">
             <a:extLst>
               <a:ext uri="{FF2B5EF4-FFF2-40B4-BE49-F238E27FC236}">
-                <a16:creationId xmlns:a16="http://schemas.microsoft.com/office/drawing/2014/main" id="{EBC431E5-D87D-A157-3525-61A87ACA56AD}"/>
+                <a16:creationId xmlns:a16="http://schemas.microsoft.com/office/drawing/2014/main" id="{C7ACDD8B-76AC-D16E-B4AE-CA00DD8827EB}"/>
               </a:ext>
             </a:extLst>
           </p:cNvPr>
@@ -1169,7 +1169,7 @@
           <p:cNvPr id="6" name="灯片编号占位符 5">
             <a:extLst>
               <a:ext uri="{FF2B5EF4-FFF2-40B4-BE49-F238E27FC236}">
-                <a16:creationId xmlns:a16="http://schemas.microsoft.com/office/drawing/2014/main" id="{14A90A4B-C201-BD00-330A-7EFDB303DCE8}"/>
+                <a16:creationId xmlns:a16="http://schemas.microsoft.com/office/drawing/2014/main" id="{F75BEF5E-52CA-288C-2A25-305B42032D7A}"/>
               </a:ext>
             </a:extLst>
           </p:cNvPr>
@@ -1185,7 +1185,7 @@
           <a:bodyPr/>
           <a:lstStyle/>
           <a:p>
-            <a:fld id="{910E6092-05E0-48AA-98D3-08AEACFC8439}" type="slidenum">
+            <a:fld id="{44A28226-E0EE-40B9-A918-7EF85AEF2F56}" type="slidenum">
               <a:rPr lang="zh-CN" altLang="en-US" smtClean="0"/>
               <a:t>‹#›</a:t>
             </a:fld>
@@ -1196,7 +1196,7 @@
     </p:spTree>
     <p:extLst>
       <p:ext uri="{BB962C8B-B14F-4D97-AF65-F5344CB8AC3E}">
-        <p14:creationId xmlns:p14="http://schemas.microsoft.com/office/powerpoint/2010/main" val="721299949"/>
+        <p14:creationId xmlns:p14="http://schemas.microsoft.com/office/powerpoint/2010/main" val="1166971288"/>
       </p:ext>
     </p:extLst>
   </p:cSld>
@@ -1228,7 +1228,7 @@
           <p:cNvPr id="2" name="标题 1">
             <a:extLst>
               <a:ext uri="{FF2B5EF4-FFF2-40B4-BE49-F238E27FC236}">
-                <a16:creationId xmlns:a16="http://schemas.microsoft.com/office/drawing/2014/main" id="{198A28D4-4863-5DC1-7EAC-BDCCFDF666D9}"/>
+                <a16:creationId xmlns:a16="http://schemas.microsoft.com/office/drawing/2014/main" id="{D93D5045-808A-14D3-97B5-97B7E66E37EB}"/>
               </a:ext>
             </a:extLst>
           </p:cNvPr>
@@ -1256,7 +1256,7 @@
           <p:cNvPr id="3" name="内容占位符 2">
             <a:extLst>
               <a:ext uri="{FF2B5EF4-FFF2-40B4-BE49-F238E27FC236}">
-                <a16:creationId xmlns:a16="http://schemas.microsoft.com/office/drawing/2014/main" id="{C5A65090-9D9D-2D7D-A110-64469BBCBB0D}"/>
+                <a16:creationId xmlns:a16="http://schemas.microsoft.com/office/drawing/2014/main" id="{FA307E9D-278F-54EB-43F7-B5910EF9E4DE}"/>
               </a:ext>
             </a:extLst>
           </p:cNvPr>
@@ -1318,7 +1318,7 @@
           <p:cNvPr id="4" name="内容占位符 3">
             <a:extLst>
               <a:ext uri="{FF2B5EF4-FFF2-40B4-BE49-F238E27FC236}">
-                <a16:creationId xmlns:a16="http://schemas.microsoft.com/office/drawing/2014/main" id="{D693A077-9D97-341E-F5E1-FE0F2A3EDB2A}"/>
+                <a16:creationId xmlns:a16="http://schemas.microsoft.com/office/drawing/2014/main" id="{B7A980C3-F2D0-FB84-2F19-A1E4E9264573}"/>
               </a:ext>
             </a:extLst>
           </p:cNvPr>
@@ -1380,7 +1380,7 @@
           <p:cNvPr id="5" name="日期占位符 4">
             <a:extLst>
               <a:ext uri="{FF2B5EF4-FFF2-40B4-BE49-F238E27FC236}">
-                <a16:creationId xmlns:a16="http://schemas.microsoft.com/office/drawing/2014/main" id="{B1608A1D-C534-D27A-0D20-C930B7F175CA}"/>
+                <a16:creationId xmlns:a16="http://schemas.microsoft.com/office/drawing/2014/main" id="{5DAC8832-8D85-F855-9F73-C0243D7DEC47}"/>
               </a:ext>
             </a:extLst>
           </p:cNvPr>
@@ -1396,7 +1396,7 @@
           <a:bodyPr/>
           <a:lstStyle/>
           <a:p>
-            <a:fld id="{92A08180-11A1-4751-84E4-8EB864B605F8}" type="datetimeFigureOut">
+            <a:fld id="{A48B9485-F7BC-40C5-9486-71DC798372C6}" type="datetimeFigureOut">
               <a:rPr lang="zh-CN" altLang="en-US" smtClean="0"/>
               <a:t>2024/3/10</a:t>
             </a:fld>
@@ -1409,7 +1409,7 @@
           <p:cNvPr id="6" name="页脚占位符 5">
             <a:extLst>
               <a:ext uri="{FF2B5EF4-FFF2-40B4-BE49-F238E27FC236}">
-                <a16:creationId xmlns:a16="http://schemas.microsoft.com/office/drawing/2014/main" id="{5C5F0856-7971-749C-D6E0-43CF8E51A8D8}"/>
+                <a16:creationId xmlns:a16="http://schemas.microsoft.com/office/drawing/2014/main" id="{05EA110D-5880-5158-6A4A-887660DF3A19}"/>
               </a:ext>
             </a:extLst>
           </p:cNvPr>
@@ -1434,7 +1434,7 @@
           <p:cNvPr id="7" name="灯片编号占位符 6">
             <a:extLst>
               <a:ext uri="{FF2B5EF4-FFF2-40B4-BE49-F238E27FC236}">
-                <a16:creationId xmlns:a16="http://schemas.microsoft.com/office/drawing/2014/main" id="{B616ED4F-FDE6-3638-3C1E-2E4EF11201ED}"/>
+                <a16:creationId xmlns:a16="http://schemas.microsoft.com/office/drawing/2014/main" id="{A655E28D-7DAA-17C4-C214-D9F56243D341}"/>
               </a:ext>
             </a:extLst>
           </p:cNvPr>
@@ -1450,7 +1450,7 @@
           <a:bodyPr/>
           <a:lstStyle/>
           <a:p>
-            <a:fld id="{910E6092-05E0-48AA-98D3-08AEACFC8439}" type="slidenum">
+            <a:fld id="{44A28226-E0EE-40B9-A918-7EF85AEF2F56}" type="slidenum">
               <a:rPr lang="zh-CN" altLang="en-US" smtClean="0"/>
               <a:t>‹#›</a:t>
             </a:fld>
@@ -1461,7 +1461,7 @@
     </p:spTree>
     <p:extLst>
       <p:ext uri="{BB962C8B-B14F-4D97-AF65-F5344CB8AC3E}">
-        <p14:creationId xmlns:p14="http://schemas.microsoft.com/office/powerpoint/2010/main" val="3553660613"/>
+        <p14:creationId xmlns:p14="http://schemas.microsoft.com/office/powerpoint/2010/main" val="315938610"/>
       </p:ext>
     </p:extLst>
   </p:cSld>
@@ -1493,7 +1493,7 @@
           <p:cNvPr id="2" name="标题 1">
             <a:extLst>
               <a:ext uri="{FF2B5EF4-FFF2-40B4-BE49-F238E27FC236}">
-                <a16:creationId xmlns:a16="http://schemas.microsoft.com/office/drawing/2014/main" id="{C5FD3DD3-38D6-6D96-0DE3-2FBD441639EA}"/>
+                <a16:creationId xmlns:a16="http://schemas.microsoft.com/office/drawing/2014/main" id="{050EE8F0-F1F1-2CE6-7C2B-135EDF34EAF4}"/>
               </a:ext>
             </a:extLst>
           </p:cNvPr>
@@ -1526,7 +1526,7 @@
           <p:cNvPr id="3" name="文本占位符 2">
             <a:extLst>
               <a:ext uri="{FF2B5EF4-FFF2-40B4-BE49-F238E27FC236}">
-                <a16:creationId xmlns:a16="http://schemas.microsoft.com/office/drawing/2014/main" id="{107EB6C4-1FFC-D2F4-C565-F2839706B486}"/>
+                <a16:creationId xmlns:a16="http://schemas.microsoft.com/office/drawing/2014/main" id="{99ED1166-DD3F-E2B3-CC68-1A016947B6FE}"/>
               </a:ext>
             </a:extLst>
           </p:cNvPr>
@@ -1597,7 +1597,7 @@
           <p:cNvPr id="4" name="内容占位符 3">
             <a:extLst>
               <a:ext uri="{FF2B5EF4-FFF2-40B4-BE49-F238E27FC236}">
-                <a16:creationId xmlns:a16="http://schemas.microsoft.com/office/drawing/2014/main" id="{B8250AA8-AB20-BFAC-0216-18C6D31F752F}"/>
+                <a16:creationId xmlns:a16="http://schemas.microsoft.com/office/drawing/2014/main" id="{7155C7B7-17C9-4A15-C0F6-79A92FC92449}"/>
               </a:ext>
             </a:extLst>
           </p:cNvPr>
@@ -1659,7 +1659,7 @@
           <p:cNvPr id="5" name="文本占位符 4">
             <a:extLst>
               <a:ext uri="{FF2B5EF4-FFF2-40B4-BE49-F238E27FC236}">
-                <a16:creationId xmlns:a16="http://schemas.microsoft.com/office/drawing/2014/main" id="{5D02B94B-D081-E1F6-CE44-5331D7EA50E0}"/>
+                <a16:creationId xmlns:a16="http://schemas.microsoft.com/office/drawing/2014/main" id="{61ED73CA-5829-5271-6541-6B63EDFD9676}"/>
               </a:ext>
             </a:extLst>
           </p:cNvPr>
@@ -1730,7 +1730,7 @@
           <p:cNvPr id="6" name="内容占位符 5">
             <a:extLst>
               <a:ext uri="{FF2B5EF4-FFF2-40B4-BE49-F238E27FC236}">
-                <a16:creationId xmlns:a16="http://schemas.microsoft.com/office/drawing/2014/main" id="{DEC74B78-4568-1672-3400-F46883792881}"/>
+                <a16:creationId xmlns:a16="http://schemas.microsoft.com/office/drawing/2014/main" id="{39C74911-C9CA-BB47-3E8A-EFC79842CFCA}"/>
               </a:ext>
             </a:extLst>
           </p:cNvPr>
@@ -1792,7 +1792,7 @@
           <p:cNvPr id="7" name="日期占位符 6">
             <a:extLst>
               <a:ext uri="{FF2B5EF4-FFF2-40B4-BE49-F238E27FC236}">
-                <a16:creationId xmlns:a16="http://schemas.microsoft.com/office/drawing/2014/main" id="{2621D507-9C83-274E-76D0-CE3362E36231}"/>
+                <a16:creationId xmlns:a16="http://schemas.microsoft.com/office/drawing/2014/main" id="{9DEF4D9F-FED5-AEF8-0361-4A1462C74409}"/>
               </a:ext>
             </a:extLst>
           </p:cNvPr>
@@ -1808,7 +1808,7 @@
           <a:bodyPr/>
           <a:lstStyle/>
           <a:p>
-            <a:fld id="{92A08180-11A1-4751-84E4-8EB864B605F8}" type="datetimeFigureOut">
+            <a:fld id="{A48B9485-F7BC-40C5-9486-71DC798372C6}" type="datetimeFigureOut">
               <a:rPr lang="zh-CN" altLang="en-US" smtClean="0"/>
               <a:t>2024/3/10</a:t>
             </a:fld>
@@ -1821,7 +1821,7 @@
           <p:cNvPr id="8" name="页脚占位符 7">
             <a:extLst>
               <a:ext uri="{FF2B5EF4-FFF2-40B4-BE49-F238E27FC236}">
-                <a16:creationId xmlns:a16="http://schemas.microsoft.com/office/drawing/2014/main" id="{BC2B5BDC-1013-72E0-8014-AF3C70097D9A}"/>
+                <a16:creationId xmlns:a16="http://schemas.microsoft.com/office/drawing/2014/main" id="{6DA379BC-0307-9E42-2496-C4333F96AFFF}"/>
               </a:ext>
             </a:extLst>
           </p:cNvPr>
@@ -1846,7 +1846,7 @@
           <p:cNvPr id="9" name="灯片编号占位符 8">
             <a:extLst>
               <a:ext uri="{FF2B5EF4-FFF2-40B4-BE49-F238E27FC236}">
-                <a16:creationId xmlns:a16="http://schemas.microsoft.com/office/drawing/2014/main" id="{325C9A10-0D82-A2B5-5F44-3F232D1A9D77}"/>
+                <a16:creationId xmlns:a16="http://schemas.microsoft.com/office/drawing/2014/main" id="{30B77934-6255-E876-B141-F9EA585DB415}"/>
               </a:ext>
             </a:extLst>
           </p:cNvPr>
@@ -1862,7 +1862,7 @@
           <a:bodyPr/>
           <a:lstStyle/>
           <a:p>
-            <a:fld id="{910E6092-05E0-48AA-98D3-08AEACFC8439}" type="slidenum">
+            <a:fld id="{44A28226-E0EE-40B9-A918-7EF85AEF2F56}" type="slidenum">
               <a:rPr lang="zh-CN" altLang="en-US" smtClean="0"/>
               <a:t>‹#›</a:t>
             </a:fld>
@@ -1873,7 +1873,7 @@
     </p:spTree>
     <p:extLst>
       <p:ext uri="{BB962C8B-B14F-4D97-AF65-F5344CB8AC3E}">
-        <p14:creationId xmlns:p14="http://schemas.microsoft.com/office/powerpoint/2010/main" val="438051114"/>
+        <p14:creationId xmlns:p14="http://schemas.microsoft.com/office/powerpoint/2010/main" val="1647732344"/>
       </p:ext>
     </p:extLst>
   </p:cSld>
@@ -1905,7 +1905,7 @@
           <p:cNvPr id="2" name="标题 1">
             <a:extLst>
               <a:ext uri="{FF2B5EF4-FFF2-40B4-BE49-F238E27FC236}">
-                <a16:creationId xmlns:a16="http://schemas.microsoft.com/office/drawing/2014/main" id="{4DB88D47-3FD0-3F70-7610-428A5764932E}"/>
+                <a16:creationId xmlns:a16="http://schemas.microsoft.com/office/drawing/2014/main" id="{7AF1E0B6-607C-7873-81A8-68EC19070D93}"/>
               </a:ext>
             </a:extLst>
           </p:cNvPr>
@@ -1933,7 +1933,7 @@
           <p:cNvPr id="3" name="日期占位符 2">
             <a:extLst>
               <a:ext uri="{FF2B5EF4-FFF2-40B4-BE49-F238E27FC236}">
-                <a16:creationId xmlns:a16="http://schemas.microsoft.com/office/drawing/2014/main" id="{76190A1B-A658-E13B-F2ED-900FA1FECA90}"/>
+                <a16:creationId xmlns:a16="http://schemas.microsoft.com/office/drawing/2014/main" id="{4F8FBE93-C9E4-6249-924B-441734D8044D}"/>
               </a:ext>
             </a:extLst>
           </p:cNvPr>
@@ -1949,7 +1949,7 @@
           <a:bodyPr/>
           <a:lstStyle/>
           <a:p>
-            <a:fld id="{92A08180-11A1-4751-84E4-8EB864B605F8}" type="datetimeFigureOut">
+            <a:fld id="{A48B9485-F7BC-40C5-9486-71DC798372C6}" type="datetimeFigureOut">
               <a:rPr lang="zh-CN" altLang="en-US" smtClean="0"/>
               <a:t>2024/3/10</a:t>
             </a:fld>
@@ -1962,7 +1962,7 @@
           <p:cNvPr id="4" name="页脚占位符 3">
             <a:extLst>
               <a:ext uri="{FF2B5EF4-FFF2-40B4-BE49-F238E27FC236}">
-                <a16:creationId xmlns:a16="http://schemas.microsoft.com/office/drawing/2014/main" id="{C31DF650-B099-B281-F58E-9C7D67269667}"/>
+                <a16:creationId xmlns:a16="http://schemas.microsoft.com/office/drawing/2014/main" id="{43DCD8D1-2895-FBCC-915D-A1A7E1CC8F25}"/>
               </a:ext>
             </a:extLst>
           </p:cNvPr>
@@ -1987,7 +1987,7 @@
           <p:cNvPr id="5" name="灯片编号占位符 4">
             <a:extLst>
               <a:ext uri="{FF2B5EF4-FFF2-40B4-BE49-F238E27FC236}">
-                <a16:creationId xmlns:a16="http://schemas.microsoft.com/office/drawing/2014/main" id="{6C97C822-F810-0E6A-C7DD-F6E1A3FE3DDB}"/>
+                <a16:creationId xmlns:a16="http://schemas.microsoft.com/office/drawing/2014/main" id="{74A18E42-95CC-4738-75C3-6D8CC3B12A76}"/>
               </a:ext>
             </a:extLst>
           </p:cNvPr>
@@ -2003,7 +2003,7 @@
           <a:bodyPr/>
           <a:lstStyle/>
           <a:p>
-            <a:fld id="{910E6092-05E0-48AA-98D3-08AEACFC8439}" type="slidenum">
+            <a:fld id="{44A28226-E0EE-40B9-A918-7EF85AEF2F56}" type="slidenum">
               <a:rPr lang="zh-CN" altLang="en-US" smtClean="0"/>
               <a:t>‹#›</a:t>
             </a:fld>
@@ -2014,7 +2014,7 @@
     </p:spTree>
     <p:extLst>
       <p:ext uri="{BB962C8B-B14F-4D97-AF65-F5344CB8AC3E}">
-        <p14:creationId xmlns:p14="http://schemas.microsoft.com/office/powerpoint/2010/main" val="2150390609"/>
+        <p14:creationId xmlns:p14="http://schemas.microsoft.com/office/powerpoint/2010/main" val="3754442888"/>
       </p:ext>
     </p:extLst>
   </p:cSld>
@@ -2046,7 +2046,7 @@
           <p:cNvPr id="2" name="日期占位符 1">
             <a:extLst>
               <a:ext uri="{FF2B5EF4-FFF2-40B4-BE49-F238E27FC236}">
-                <a16:creationId xmlns:a16="http://schemas.microsoft.com/office/drawing/2014/main" id="{2F9EB593-F9B9-695B-E2AB-2BAC988D3F72}"/>
+                <a16:creationId xmlns:a16="http://schemas.microsoft.com/office/drawing/2014/main" id="{CEBF5D5E-F902-221F-D7F7-C1395FB54988}"/>
               </a:ext>
             </a:extLst>
           </p:cNvPr>
@@ -2062,7 +2062,7 @@
           <a:bodyPr/>
           <a:lstStyle/>
           <a:p>
-            <a:fld id="{92A08180-11A1-4751-84E4-8EB864B605F8}" type="datetimeFigureOut">
+            <a:fld id="{A48B9485-F7BC-40C5-9486-71DC798372C6}" type="datetimeFigureOut">
               <a:rPr lang="zh-CN" altLang="en-US" smtClean="0"/>
               <a:t>2024/3/10</a:t>
             </a:fld>
@@ -2075,7 +2075,7 @@
           <p:cNvPr id="3" name="页脚占位符 2">
             <a:extLst>
               <a:ext uri="{FF2B5EF4-FFF2-40B4-BE49-F238E27FC236}">
-                <a16:creationId xmlns:a16="http://schemas.microsoft.com/office/drawing/2014/main" id="{550C6051-B344-6E19-682B-DCF228443752}"/>
+                <a16:creationId xmlns:a16="http://schemas.microsoft.com/office/drawing/2014/main" id="{2F916194-6BF3-4609-ED05-1E7E33BCBC49}"/>
               </a:ext>
             </a:extLst>
           </p:cNvPr>
@@ -2100,7 +2100,7 @@
           <p:cNvPr id="4" name="灯片编号占位符 3">
             <a:extLst>
               <a:ext uri="{FF2B5EF4-FFF2-40B4-BE49-F238E27FC236}">
-                <a16:creationId xmlns:a16="http://schemas.microsoft.com/office/drawing/2014/main" id="{2E4BB099-7E28-B783-0D62-94C5AB648E9C}"/>
+                <a16:creationId xmlns:a16="http://schemas.microsoft.com/office/drawing/2014/main" id="{5B797576-A0A8-B3C5-62A2-56E666FD2329}"/>
               </a:ext>
             </a:extLst>
           </p:cNvPr>
@@ -2116,7 +2116,7 @@
           <a:bodyPr/>
           <a:lstStyle/>
           <a:p>
-            <a:fld id="{910E6092-05E0-48AA-98D3-08AEACFC8439}" type="slidenum">
+            <a:fld id="{44A28226-E0EE-40B9-A918-7EF85AEF2F56}" type="slidenum">
               <a:rPr lang="zh-CN" altLang="en-US" smtClean="0"/>
               <a:t>‹#›</a:t>
             </a:fld>
@@ -2127,7 +2127,7 @@
     </p:spTree>
     <p:extLst>
       <p:ext uri="{BB962C8B-B14F-4D97-AF65-F5344CB8AC3E}">
-        <p14:creationId xmlns:p14="http://schemas.microsoft.com/office/powerpoint/2010/main" val="2099261668"/>
+        <p14:creationId xmlns:p14="http://schemas.microsoft.com/office/powerpoint/2010/main" val="2529042886"/>
       </p:ext>
     </p:extLst>
   </p:cSld>
@@ -2159,7 +2159,7 @@
           <p:cNvPr id="2" name="标题 1">
             <a:extLst>
               <a:ext uri="{FF2B5EF4-FFF2-40B4-BE49-F238E27FC236}">
-                <a16:creationId xmlns:a16="http://schemas.microsoft.com/office/drawing/2014/main" id="{2D07D0ED-74A2-8693-08B0-A8B3C341671A}"/>
+                <a16:creationId xmlns:a16="http://schemas.microsoft.com/office/drawing/2014/main" id="{15CEBFC0-040E-3E67-39BC-893B289BDA21}"/>
               </a:ext>
             </a:extLst>
           </p:cNvPr>
@@ -2196,7 +2196,7 @@
           <p:cNvPr id="3" name="内容占位符 2">
             <a:extLst>
               <a:ext uri="{FF2B5EF4-FFF2-40B4-BE49-F238E27FC236}">
-                <a16:creationId xmlns:a16="http://schemas.microsoft.com/office/drawing/2014/main" id="{42783815-0C42-F7A6-C885-97644E2D5456}"/>
+                <a16:creationId xmlns:a16="http://schemas.microsoft.com/office/drawing/2014/main" id="{6DCC0678-43C2-8335-1C13-93DCCEF87BBC}"/>
               </a:ext>
             </a:extLst>
           </p:cNvPr>
@@ -2286,7 +2286,7 @@
           <p:cNvPr id="4" name="文本占位符 3">
             <a:extLst>
               <a:ext uri="{FF2B5EF4-FFF2-40B4-BE49-F238E27FC236}">
-                <a16:creationId xmlns:a16="http://schemas.microsoft.com/office/drawing/2014/main" id="{DE96DF2D-52DF-1B2B-85E7-665A5F58E1DD}"/>
+                <a16:creationId xmlns:a16="http://schemas.microsoft.com/office/drawing/2014/main" id="{83F5130E-72B9-1D35-5CFC-54FB3A6A66A3}"/>
               </a:ext>
             </a:extLst>
           </p:cNvPr>
@@ -2357,7 +2357,7 @@
           <p:cNvPr id="5" name="日期占位符 4">
             <a:extLst>
               <a:ext uri="{FF2B5EF4-FFF2-40B4-BE49-F238E27FC236}">
-                <a16:creationId xmlns:a16="http://schemas.microsoft.com/office/drawing/2014/main" id="{C3734E33-E9B6-5B0E-9926-C901133D3CDB}"/>
+                <a16:creationId xmlns:a16="http://schemas.microsoft.com/office/drawing/2014/main" id="{8864BC41-A9AB-D4C8-4B52-13B6C59920A3}"/>
               </a:ext>
             </a:extLst>
           </p:cNvPr>
@@ -2373,7 +2373,7 @@
           <a:bodyPr/>
           <a:lstStyle/>
           <a:p>
-            <a:fld id="{92A08180-11A1-4751-84E4-8EB864B605F8}" type="datetimeFigureOut">
+            <a:fld id="{A48B9485-F7BC-40C5-9486-71DC798372C6}" type="datetimeFigureOut">
               <a:rPr lang="zh-CN" altLang="en-US" smtClean="0"/>
               <a:t>2024/3/10</a:t>
             </a:fld>
@@ -2386,7 +2386,7 @@
           <p:cNvPr id="6" name="页脚占位符 5">
             <a:extLst>
               <a:ext uri="{FF2B5EF4-FFF2-40B4-BE49-F238E27FC236}">
-                <a16:creationId xmlns:a16="http://schemas.microsoft.com/office/drawing/2014/main" id="{35D2562D-B78E-245C-0A24-F8E356B7B255}"/>
+                <a16:creationId xmlns:a16="http://schemas.microsoft.com/office/drawing/2014/main" id="{58CDF688-00C9-58C1-B82C-3BD1D09B7F12}"/>
               </a:ext>
             </a:extLst>
           </p:cNvPr>
@@ -2411,7 +2411,7 @@
           <p:cNvPr id="7" name="灯片编号占位符 6">
             <a:extLst>
               <a:ext uri="{FF2B5EF4-FFF2-40B4-BE49-F238E27FC236}">
-                <a16:creationId xmlns:a16="http://schemas.microsoft.com/office/drawing/2014/main" id="{A758BE92-C8C0-016B-32B7-A58FFEF47B99}"/>
+                <a16:creationId xmlns:a16="http://schemas.microsoft.com/office/drawing/2014/main" id="{C2F389B2-913C-21CD-CA44-2AF797649084}"/>
               </a:ext>
             </a:extLst>
           </p:cNvPr>
@@ -2427,7 +2427,7 @@
           <a:bodyPr/>
           <a:lstStyle/>
           <a:p>
-            <a:fld id="{910E6092-05E0-48AA-98D3-08AEACFC8439}" type="slidenum">
+            <a:fld id="{44A28226-E0EE-40B9-A918-7EF85AEF2F56}" type="slidenum">
               <a:rPr lang="zh-CN" altLang="en-US" smtClean="0"/>
               <a:t>‹#›</a:t>
             </a:fld>
@@ -2438,7 +2438,7 @@
     </p:spTree>
     <p:extLst>
       <p:ext uri="{BB962C8B-B14F-4D97-AF65-F5344CB8AC3E}">
-        <p14:creationId xmlns:p14="http://schemas.microsoft.com/office/powerpoint/2010/main" val="273897106"/>
+        <p14:creationId xmlns:p14="http://schemas.microsoft.com/office/powerpoint/2010/main" val="3305583789"/>
       </p:ext>
     </p:extLst>
   </p:cSld>
@@ -2470,7 +2470,7 @@
           <p:cNvPr id="2" name="标题 1">
             <a:extLst>
               <a:ext uri="{FF2B5EF4-FFF2-40B4-BE49-F238E27FC236}">
-                <a16:creationId xmlns:a16="http://schemas.microsoft.com/office/drawing/2014/main" id="{91EB1618-D730-2C4A-8C04-F82ECA2D6CA3}"/>
+                <a16:creationId xmlns:a16="http://schemas.microsoft.com/office/drawing/2014/main" id="{362EA9BD-76CF-BFAF-A3C3-F222E6C018E6}"/>
               </a:ext>
             </a:extLst>
           </p:cNvPr>
@@ -2507,7 +2507,7 @@
           <p:cNvPr id="3" name="图片占位符 2">
             <a:extLst>
               <a:ext uri="{FF2B5EF4-FFF2-40B4-BE49-F238E27FC236}">
-                <a16:creationId xmlns:a16="http://schemas.microsoft.com/office/drawing/2014/main" id="{D80B0BB4-79D5-CF40-129C-748E196291A5}"/>
+                <a16:creationId xmlns:a16="http://schemas.microsoft.com/office/drawing/2014/main" id="{1F6D712C-2A7A-01FC-818F-028448CFD132}"/>
               </a:ext>
             </a:extLst>
           </p:cNvPr>
@@ -2574,7 +2574,7 @@
           <p:cNvPr id="4" name="文本占位符 3">
             <a:extLst>
               <a:ext uri="{FF2B5EF4-FFF2-40B4-BE49-F238E27FC236}">
-                <a16:creationId xmlns:a16="http://schemas.microsoft.com/office/drawing/2014/main" id="{F8DCAFB6-7655-789A-7757-866D47CCAA12}"/>
+                <a16:creationId xmlns:a16="http://schemas.microsoft.com/office/drawing/2014/main" id="{D7D533BD-9123-C4A3-243A-04C9B70F7EAA}"/>
               </a:ext>
             </a:extLst>
           </p:cNvPr>
@@ -2645,7 +2645,7 @@
           <p:cNvPr id="5" name="日期占位符 4">
             <a:extLst>
               <a:ext uri="{FF2B5EF4-FFF2-40B4-BE49-F238E27FC236}">
-                <a16:creationId xmlns:a16="http://schemas.microsoft.com/office/drawing/2014/main" id="{179A9B37-83C4-F2F4-A1FB-EC50F0FC189D}"/>
+                <a16:creationId xmlns:a16="http://schemas.microsoft.com/office/drawing/2014/main" id="{A886096B-E0EC-6347-76FC-53588C9059C0}"/>
               </a:ext>
             </a:extLst>
           </p:cNvPr>
@@ -2661,7 +2661,7 @@
           <a:bodyPr/>
           <a:lstStyle/>
           <a:p>
-            <a:fld id="{92A08180-11A1-4751-84E4-8EB864B605F8}" type="datetimeFigureOut">
+            <a:fld id="{A48B9485-F7BC-40C5-9486-71DC798372C6}" type="datetimeFigureOut">
               <a:rPr lang="zh-CN" altLang="en-US" smtClean="0"/>
               <a:t>2024/3/10</a:t>
             </a:fld>
@@ -2674,7 +2674,7 @@
           <p:cNvPr id="6" name="页脚占位符 5">
             <a:extLst>
               <a:ext uri="{FF2B5EF4-FFF2-40B4-BE49-F238E27FC236}">
-                <a16:creationId xmlns:a16="http://schemas.microsoft.com/office/drawing/2014/main" id="{2C7E893E-85F2-8DF3-64EE-D8496272D2F8}"/>
+                <a16:creationId xmlns:a16="http://schemas.microsoft.com/office/drawing/2014/main" id="{36CBDC6E-B1F8-8A7D-815E-ABB1942833AD}"/>
               </a:ext>
             </a:extLst>
           </p:cNvPr>
@@ -2699,7 +2699,7 @@
           <p:cNvPr id="7" name="灯片编号占位符 6">
             <a:extLst>
               <a:ext uri="{FF2B5EF4-FFF2-40B4-BE49-F238E27FC236}">
-                <a16:creationId xmlns:a16="http://schemas.microsoft.com/office/drawing/2014/main" id="{BA007161-0300-BC23-A74C-10C4D73DE769}"/>
+                <a16:creationId xmlns:a16="http://schemas.microsoft.com/office/drawing/2014/main" id="{A8762B1A-EB0A-9B66-C11F-56949B017E36}"/>
               </a:ext>
             </a:extLst>
           </p:cNvPr>
@@ -2715,7 +2715,7 @@
           <a:bodyPr/>
           <a:lstStyle/>
           <a:p>
-            <a:fld id="{910E6092-05E0-48AA-98D3-08AEACFC8439}" type="slidenum">
+            <a:fld id="{44A28226-E0EE-40B9-A918-7EF85AEF2F56}" type="slidenum">
               <a:rPr lang="zh-CN" altLang="en-US" smtClean="0"/>
               <a:t>‹#›</a:t>
             </a:fld>
@@ -2726,7 +2726,7 @@
     </p:spTree>
     <p:extLst>
       <p:ext uri="{BB962C8B-B14F-4D97-AF65-F5344CB8AC3E}">
-        <p14:creationId xmlns:p14="http://schemas.microsoft.com/office/powerpoint/2010/main" val="1219489465"/>
+        <p14:creationId xmlns:p14="http://schemas.microsoft.com/office/powerpoint/2010/main" val="3354045378"/>
       </p:ext>
     </p:extLst>
   </p:cSld>
@@ -2763,7 +2763,7 @@
           <p:cNvPr id="2" name="标题占位符 1">
             <a:extLst>
               <a:ext uri="{FF2B5EF4-FFF2-40B4-BE49-F238E27FC236}">
-                <a16:creationId xmlns:a16="http://schemas.microsoft.com/office/drawing/2014/main" id="{7EB37644-C85B-37DC-13A5-6BA5C9728419}"/>
+                <a16:creationId xmlns:a16="http://schemas.microsoft.com/office/drawing/2014/main" id="{DD1E9F0E-CC61-742E-1BDA-CC75320DE4FA}"/>
               </a:ext>
             </a:extLst>
           </p:cNvPr>
@@ -2801,7 +2801,7 @@
           <p:cNvPr id="3" name="文本占位符 2">
             <a:extLst>
               <a:ext uri="{FF2B5EF4-FFF2-40B4-BE49-F238E27FC236}">
-                <a16:creationId xmlns:a16="http://schemas.microsoft.com/office/drawing/2014/main" id="{77106F77-E0CE-91CF-AEF7-1CE86B52C723}"/>
+                <a16:creationId xmlns:a16="http://schemas.microsoft.com/office/drawing/2014/main" id="{2150760C-B719-305D-26FB-B4AB47E26E57}"/>
               </a:ext>
             </a:extLst>
           </p:cNvPr>
@@ -2868,7 +2868,7 @@
           <p:cNvPr id="4" name="日期占位符 3">
             <a:extLst>
               <a:ext uri="{FF2B5EF4-FFF2-40B4-BE49-F238E27FC236}">
-                <a16:creationId xmlns:a16="http://schemas.microsoft.com/office/drawing/2014/main" id="{F2DA2373-13C0-8742-BE17-3828599A7E98}"/>
+                <a16:creationId xmlns:a16="http://schemas.microsoft.com/office/drawing/2014/main" id="{A6E28C01-BF32-F076-BBFE-6DA354903B11}"/>
               </a:ext>
             </a:extLst>
           </p:cNvPr>
@@ -2902,7 +2902,7 @@
             </a:lvl1pPr>
           </a:lstStyle>
           <a:p>
-            <a:fld id="{92A08180-11A1-4751-84E4-8EB864B605F8}" type="datetimeFigureOut">
+            <a:fld id="{A48B9485-F7BC-40C5-9486-71DC798372C6}" type="datetimeFigureOut">
               <a:rPr lang="zh-CN" altLang="en-US" smtClean="0"/>
               <a:t>2024/3/10</a:t>
             </a:fld>
@@ -2915,7 +2915,7 @@
           <p:cNvPr id="5" name="页脚占位符 4">
             <a:extLst>
               <a:ext uri="{FF2B5EF4-FFF2-40B4-BE49-F238E27FC236}">
-                <a16:creationId xmlns:a16="http://schemas.microsoft.com/office/drawing/2014/main" id="{DB581F03-8A06-9236-EEE8-D2E4F72E5032}"/>
+                <a16:creationId xmlns:a16="http://schemas.microsoft.com/office/drawing/2014/main" id="{F534AD97-3808-734D-9EDB-6A6F2153974B}"/>
               </a:ext>
             </a:extLst>
           </p:cNvPr>
@@ -2958,7 +2958,7 @@
           <p:cNvPr id="6" name="灯片编号占位符 5">
             <a:extLst>
               <a:ext uri="{FF2B5EF4-FFF2-40B4-BE49-F238E27FC236}">
-                <a16:creationId xmlns:a16="http://schemas.microsoft.com/office/drawing/2014/main" id="{4EDB3734-A838-3B76-E6AB-8D056AF7B03B}"/>
+                <a16:creationId xmlns:a16="http://schemas.microsoft.com/office/drawing/2014/main" id="{E21E131B-B020-F3B3-D53B-FC5545F37801}"/>
               </a:ext>
             </a:extLst>
           </p:cNvPr>
@@ -2992,7 +2992,7 @@
             </a:lvl1pPr>
           </a:lstStyle>
           <a:p>
-            <a:fld id="{910E6092-05E0-48AA-98D3-08AEACFC8439}" type="slidenum">
+            <a:fld id="{44A28226-E0EE-40B9-A918-7EF85AEF2F56}" type="slidenum">
               <a:rPr lang="zh-CN" altLang="en-US" smtClean="0"/>
               <a:t>‹#›</a:t>
             </a:fld>
@@ -3003,7 +3003,7 @@
     </p:spTree>
     <p:extLst>
       <p:ext uri="{BB962C8B-B14F-4D97-AF65-F5344CB8AC3E}">
-        <p14:creationId xmlns:p14="http://schemas.microsoft.com/office/powerpoint/2010/main" val="1847185924"/>
+        <p14:creationId xmlns:p14="http://schemas.microsoft.com/office/powerpoint/2010/main" val="1056404567"/>
       </p:ext>
     </p:extLst>
   </p:cSld>
@@ -3323,7 +3323,7 @@
       </p:grpSpPr>
       <p:pic>
         <p:nvPicPr>
-          <p:cNvPr id="1618946" name="Picture 2" descr="1580"/>
+          <p:cNvPr id="1619970" name="Picture 2" descr="1581"/>
           <p:cNvPicPr>
             <a:picLocks noChangeAspect="1" noChangeArrowheads="1"/>
           </p:cNvPicPr>
@@ -3344,8 +3344,8 @@
         </p:blipFill>
         <p:spPr bwMode="auto">
           <a:xfrm>
-            <a:off x="1543050" y="14288"/>
-            <a:ext cx="9124950" cy="6843712"/>
+            <a:off x="1543050" y="15875"/>
+            <a:ext cx="9124950" cy="6294438"/>
           </a:xfrm>
           <a:prstGeom prst="rect">
             <a:avLst/>
@@ -3375,11 +3375,158 @@
           </a:extLst>
         </p:spPr>
       </p:pic>
+      <p:pic>
+        <p:nvPicPr>
+          <p:cNvPr id="1620995" name="Picture 3" descr="1581-2"/>
+          <p:cNvPicPr>
+            <a:picLocks noChangeAspect="1" noChangeArrowheads="1"/>
+          </p:cNvPicPr>
+          <p:nvPr/>
+        </p:nvPicPr>
+        <p:blipFill>
+          <a:blip r:embed="rId3">
+            <a:extLst>
+              <a:ext uri="{28A0092B-C50C-407E-A947-70E740481C1C}">
+                <a14:useLocalDpi xmlns:a14="http://schemas.microsoft.com/office/drawing/2010/main" val="0"/>
+              </a:ext>
+            </a:extLst>
+          </a:blip>
+          <a:srcRect/>
+          <a:stretch>
+            <a:fillRect/>
+          </a:stretch>
+        </p:blipFill>
+        <p:spPr bwMode="auto">
+          <a:xfrm>
+            <a:off x="1524001" y="1"/>
+            <a:ext cx="9180513" cy="6791325"/>
+          </a:xfrm>
+          <a:prstGeom prst="rect">
+            <a:avLst/>
+          </a:prstGeom>
+          <a:noFill/>
+          <a:ln>
+            <a:noFill/>
+          </a:ln>
+          <a:effectLst/>
+          <a:extLst>
+            <a:ext uri="{909E8E84-426E-40DD-AFC4-6F175D3DCCD1}">
+              <a14:hiddenFill xmlns:a14="http://schemas.microsoft.com/office/drawing/2010/main">
+                <a:solidFill>
+                  <a:srgbClr val="FFFFFF"/>
+                </a:solidFill>
+              </a14:hiddenFill>
+            </a:ext>
+            <a:ext uri="{91240B29-F687-4F45-9708-019B960494DF}">
+              <a14:hiddenLine xmlns:a14="http://schemas.microsoft.com/office/drawing/2010/main" w="9525">
+                <a:solidFill>
+                  <a:srgbClr val="000000"/>
+                </a:solidFill>
+                <a:miter lim="800000"/>
+                <a:headEnd/>
+                <a:tailEnd/>
+              </a14:hiddenLine>
+            </a:ext>
+            <a:ext uri="{AF507438-7753-43E0-B8FC-AC1667EBCBE1}">
+              <a14:hiddenEffects xmlns:a14="http://schemas.microsoft.com/office/drawing/2010/main">
+                <a:effectLst>
+                  <a:outerShdw dist="35921" dir="2700000" algn="ctr" rotWithShape="0">
+                    <a:srgbClr val="808080"/>
+                  </a:outerShdw>
+                </a:effectLst>
+              </a14:hiddenEffects>
+            </a:ext>
+          </a:extLst>
+        </p:spPr>
+      </p:pic>
     </p:spTree>
   </p:cSld>
   <p:clrMapOvr>
     <a:masterClrMapping/>
   </p:clrMapOvr>
+  <p:timing>
+    <p:tnLst>
+      <p:par>
+        <p:cTn id="1" dur="indefinite" restart="never" nodeType="tmRoot">
+          <p:childTnLst>
+            <p:seq concurrent="1" nextAc="seek">
+              <p:cTn id="2" dur="indefinite" nodeType="mainSeq">
+                <p:childTnLst>
+                  <p:par>
+                    <p:cTn id="3" fill="hold" nodeType="clickPar">
+                      <p:stCondLst>
+                        <p:cond delay="indefinite"/>
+                      </p:stCondLst>
+                      <p:childTnLst>
+                        <p:par>
+                          <p:cTn id="4" fill="hold" nodeType="withGroup">
+                            <p:stCondLst>
+                              <p:cond delay="0"/>
+                            </p:stCondLst>
+                            <p:childTnLst>
+                              <p:par>
+                                <p:cTn id="5" presetID="10" presetClass="entr" presetSubtype="0" fill="hold" nodeType="clickEffect">
+                                  <p:stCondLst>
+                                    <p:cond delay="0"/>
+                                  </p:stCondLst>
+                                  <p:childTnLst>
+                                    <p:set>
+                                      <p:cBhvr>
+                                        <p:cTn id="6" dur="1" fill="hold">
+                                          <p:stCondLst>
+                                            <p:cond delay="0"/>
+                                          </p:stCondLst>
+                                        </p:cTn>
+                                        <p:tgtEl>
+                                          <p:spTgt spid="1620995"/>
+                                        </p:tgtEl>
+                                        <p:attrNameLst>
+                                          <p:attrName>style.visibility</p:attrName>
+                                        </p:attrNameLst>
+                                      </p:cBhvr>
+                                      <p:to>
+                                        <p:strVal val="visible"/>
+                                      </p:to>
+                                    </p:set>
+                                    <p:animEffect transition="in" filter="fade">
+                                      <p:cBhvr>
+                                        <p:cTn id="7" dur="500"/>
+                                        <p:tgtEl>
+                                          <p:spTgt spid="1620995"/>
+                                        </p:tgtEl>
+                                      </p:cBhvr>
+                                    </p:animEffect>
+                                  </p:childTnLst>
+                                </p:cTn>
+                              </p:par>
+                            </p:childTnLst>
+                          </p:cTn>
+                        </p:par>
+                      </p:childTnLst>
+                    </p:cTn>
+                  </p:par>
+                </p:childTnLst>
+              </p:cTn>
+              <p:prevCondLst>
+                <p:cond evt="onPrev" delay="0">
+                  <p:tgtEl>
+                    <p:sldTgt/>
+                  </p:tgtEl>
+                </p:cond>
+              </p:prevCondLst>
+              <p:nextCondLst>
+                <p:cond evt="onNext" delay="0">
+                  <p:tgtEl>
+                    <p:sldTgt/>
+                  </p:tgtEl>
+                </p:cond>
+              </p:nextCondLst>
+            </p:seq>
+          </p:childTnLst>
+        </p:cTn>
+      </p:par>
+    </p:tnLst>
+  </p:timing>
 </p:sld>
 </file>
 
